--- a/FinalPosterPresentation.pptx
+++ b/FinalPosterPresentation.pptx
@@ -243,7 +243,7 @@
           <a:p>
             <a:fld id="{86DC8D49-B9C3-C346-AFA3-5F6D95D32818}" type="datetimeFigureOut">
               <a:rPr lang="en-US" smtClean="0"/>
-              <a:t>4/20/16</a:t>
+              <a:t>4/24/16</a:t>
             </a:fld>
             <a:endParaRPr lang="en-US"/>
           </a:p>
@@ -413,7 +413,7 @@
           <a:p>
             <a:fld id="{86DC8D49-B9C3-C346-AFA3-5F6D95D32818}" type="datetimeFigureOut">
               <a:rPr lang="en-US" smtClean="0"/>
-              <a:t>4/20/16</a:t>
+              <a:t>4/24/16</a:t>
             </a:fld>
             <a:endParaRPr lang="en-US"/>
           </a:p>
@@ -593,7 +593,7 @@
           <a:p>
             <a:fld id="{86DC8D49-B9C3-C346-AFA3-5F6D95D32818}" type="datetimeFigureOut">
               <a:rPr lang="en-US" smtClean="0"/>
-              <a:t>4/20/16</a:t>
+              <a:t>4/24/16</a:t>
             </a:fld>
             <a:endParaRPr lang="en-US"/>
           </a:p>
@@ -763,7 +763,7 @@
           <a:p>
             <a:fld id="{86DC8D49-B9C3-C346-AFA3-5F6D95D32818}" type="datetimeFigureOut">
               <a:rPr lang="en-US" smtClean="0"/>
-              <a:t>4/20/16</a:t>
+              <a:t>4/24/16</a:t>
             </a:fld>
             <a:endParaRPr lang="en-US"/>
           </a:p>
@@ -1007,7 +1007,7 @@
           <a:p>
             <a:fld id="{86DC8D49-B9C3-C346-AFA3-5F6D95D32818}" type="datetimeFigureOut">
               <a:rPr lang="en-US" smtClean="0"/>
-              <a:t>4/20/16</a:t>
+              <a:t>4/24/16</a:t>
             </a:fld>
             <a:endParaRPr lang="en-US"/>
           </a:p>
@@ -1239,7 +1239,7 @@
           <a:p>
             <a:fld id="{86DC8D49-B9C3-C346-AFA3-5F6D95D32818}" type="datetimeFigureOut">
               <a:rPr lang="en-US" smtClean="0"/>
-              <a:t>4/20/16</a:t>
+              <a:t>4/24/16</a:t>
             </a:fld>
             <a:endParaRPr lang="en-US"/>
           </a:p>
@@ -1606,7 +1606,7 @@
           <a:p>
             <a:fld id="{86DC8D49-B9C3-C346-AFA3-5F6D95D32818}" type="datetimeFigureOut">
               <a:rPr lang="en-US" smtClean="0"/>
-              <a:t>4/20/16</a:t>
+              <a:t>4/24/16</a:t>
             </a:fld>
             <a:endParaRPr lang="en-US"/>
           </a:p>
@@ -1724,7 +1724,7 @@
           <a:p>
             <a:fld id="{86DC8D49-B9C3-C346-AFA3-5F6D95D32818}" type="datetimeFigureOut">
               <a:rPr lang="en-US" smtClean="0"/>
-              <a:t>4/20/16</a:t>
+              <a:t>4/24/16</a:t>
             </a:fld>
             <a:endParaRPr lang="en-US"/>
           </a:p>
@@ -1819,7 +1819,7 @@
           <a:p>
             <a:fld id="{86DC8D49-B9C3-C346-AFA3-5F6D95D32818}" type="datetimeFigureOut">
               <a:rPr lang="en-US" smtClean="0"/>
-              <a:t>4/20/16</a:t>
+              <a:t>4/24/16</a:t>
             </a:fld>
             <a:endParaRPr lang="en-US"/>
           </a:p>
@@ -2096,7 +2096,7 @@
           <a:p>
             <a:fld id="{86DC8D49-B9C3-C346-AFA3-5F6D95D32818}" type="datetimeFigureOut">
               <a:rPr lang="en-US" smtClean="0"/>
-              <a:t>4/20/16</a:t>
+              <a:t>4/24/16</a:t>
             </a:fld>
             <a:endParaRPr lang="en-US"/>
           </a:p>
@@ -2353,7 +2353,7 @@
           <a:p>
             <a:fld id="{86DC8D49-B9C3-C346-AFA3-5F6D95D32818}" type="datetimeFigureOut">
               <a:rPr lang="en-US" smtClean="0"/>
-              <a:t>4/20/16</a:t>
+              <a:t>4/24/16</a:t>
             </a:fld>
             <a:endParaRPr lang="en-US"/>
           </a:p>
@@ -2566,7 +2566,7 @@
           <a:p>
             <a:fld id="{86DC8D49-B9C3-C346-AFA3-5F6D95D32818}" type="datetimeFigureOut">
               <a:rPr lang="en-US" smtClean="0"/>
-              <a:t>4/20/16</a:t>
+              <a:t>4/24/16</a:t>
             </a:fld>
             <a:endParaRPr lang="en-US"/>
           </a:p>
@@ -3566,11 +3566,7 @@
             <a:pPr algn="ctr"/>
             <a:r>
               <a:rPr lang="en-US" sz="4000" dirty="0" smtClean="0"/>
-              <a:t>90</a:t>
-            </a:r>
-            <a:r>
-              <a:rPr lang="en-US" sz="4000" dirty="0" smtClean="0"/>
-              <a:t>%</a:t>
+              <a:t>91.15%</a:t>
             </a:r>
             <a:endParaRPr lang="en-US" sz="4000" dirty="0"/>
           </a:p>
@@ -3700,11 +3696,7 @@
           <a:p>
             <a:r>
               <a:rPr lang="en-US" sz="3200" dirty="0" smtClean="0"/>
-              <a:t>Output: </a:t>
-            </a:r>
-            <a:r>
-              <a:rPr lang="en-US" sz="3200" dirty="0" smtClean="0"/>
-              <a:t>82%</a:t>
+              <a:t>Output: 83%</a:t>
             </a:r>
             <a:endParaRPr lang="en-US" sz="3200" dirty="0"/>
           </a:p>
@@ -3797,11 +3789,7 @@
           <a:p>
             <a:r>
               <a:rPr lang="en-US" sz="3200" dirty="0" smtClean="0"/>
-              <a:t>Output: </a:t>
-            </a:r>
-            <a:r>
-              <a:rPr lang="en-US" sz="3200" dirty="0" smtClean="0"/>
-              <a:t>82%</a:t>
+              <a:t>Output: 83%</a:t>
             </a:r>
             <a:endParaRPr lang="en-US" sz="3200" dirty="0"/>
           </a:p>
@@ -3930,13 +3918,8 @@
           <a:p>
             <a:r>
               <a:rPr lang="en-US" sz="3200" dirty="0" smtClean="0"/>
-              <a:t>Output: </a:t>
-            </a:r>
-            <a:r>
-              <a:rPr lang="en-US" sz="3200" dirty="0" smtClean="0"/>
-              <a:t>82%</a:t>
-            </a:r>
-            <a:endParaRPr lang="en-US" sz="3200" dirty="0" smtClean="0"/>
+              <a:t>Output: 83%</a:t>
+            </a:r>
           </a:p>
         </p:txBody>
       </p:sp>
@@ -4239,15 +4222,7 @@
           <a:p>
             <a:r>
               <a:rPr lang="en-US" sz="4000" dirty="0" smtClean="0"/>
-              <a:t>To the left, you will see various confusion matrices of different methods we tried on the CIFAR 10 Problem. We found that Naïve Bayes performed the worst (31%), likely since it does not account for the interdependence of the image pixels. Next was Logistic Regression (41%) which observes inter-pixel relationships, but only to a degree. Then was the Neural Network (52%) which heavily learns inter-pixel relationships. Finally was the Convolutional Neural Network (</a:t>
-            </a:r>
-            <a:r>
-              <a:rPr lang="en-US" sz="4000" dirty="0" smtClean="0"/>
-              <a:t>82%) </a:t>
-            </a:r>
-            <a:r>
-              <a:rPr lang="en-US" sz="4000" dirty="0" smtClean="0"/>
-              <a:t>which heavily learns inter-pixel relationships with a specific emphasis on 2D locality, a crucial aspect of images.</a:t>
+              <a:t>To the left, you will see various confusion matrices of different methods we tried on the CIFAR 10 Problem. We found that Naïve Bayes performed the worst (31%), likely since it does not account for the interdependence of the image pixels. Next was Logistic Regression (41%) which observes inter-pixel relationships, but only to a degree. Then was the Neural Network (52%) which heavily learns inter-pixel relationships. Finally was the Convolutional Neural Network (82%) which heavily learns inter-pixel relationships with a specific emphasis on 2D locality, a crucial aspect of images.</a:t>
             </a:r>
             <a:endParaRPr lang="en-US" sz="4000" dirty="0"/>
           </a:p>
@@ -4488,13 +4463,8 @@
           <a:p>
             <a:r>
               <a:rPr lang="en-US" sz="3240" dirty="0" smtClean="0"/>
-              <a:t>CNN: </a:t>
-            </a:r>
-            <a:r>
-              <a:rPr lang="en-US" sz="3240" dirty="0" smtClean="0"/>
-              <a:t>82%</a:t>
-            </a:r>
-            <a:endParaRPr lang="en-US" sz="3240" dirty="0" smtClean="0"/>
+              <a:t>CNN: 82%</a:t>
+            </a:r>
           </a:p>
           <a:p>
             <a:endParaRPr lang="en-US" sz="3240" dirty="0"/>
@@ -4844,35 +4814,7 @@
             </a:r>
             <a:r>
               <a:rPr lang="en-US" sz="4000" dirty="0" smtClean="0"/>
-              <a:t> image format, and researchers are given 50,000 images to train on and need to predict on 10,000 held out test images. It is a challenge which thousands of researchers have taken up, vying for the highest accuracy possible, and it is an important one, as many technologies such as self-driving cars or facial recognition hinge upon it. Our goal was to investigate various methods for tackling the CIFAR-10 and see how well they perform, as well as combine these models in interesting ways to achieve higher accuracies. We find that running a linear Support Vector Machine on top of the features extracted using several distinct Convolutional Neural Networks (CNN’s) produces a model of </a:t>
-            </a:r>
-            <a:r>
-              <a:rPr lang="en-US" sz="4000" dirty="0" smtClean="0"/>
-              <a:t>90</a:t>
-            </a:r>
-            <a:r>
-              <a:rPr lang="en-US" sz="4000" dirty="0" smtClean="0"/>
-              <a:t>% </a:t>
-            </a:r>
-            <a:r>
-              <a:rPr lang="en-US" sz="4000" dirty="0" smtClean="0"/>
-              <a:t>accuracy, which is very </a:t>
-            </a:r>
-            <a:r>
-              <a:rPr lang="en-US" sz="4000" dirty="0" smtClean="0"/>
-              <a:t>fantastic, </a:t>
-            </a:r>
-            <a:r>
-              <a:rPr lang="en-US" sz="4000" dirty="0" smtClean="0"/>
-              <a:t>considering that human accuracy on the same problem is </a:t>
-            </a:r>
-            <a:r>
-              <a:rPr lang="en-US" sz="4000" dirty="0" smtClean="0"/>
-              <a:t>94</a:t>
-            </a:r>
-            <a:r>
-              <a:rPr lang="en-US" sz="4000" dirty="0" smtClean="0"/>
-              <a:t>%.</a:t>
+              <a:t> image format, and researchers are given 50,000 images to train on and need to predict on 10,000 held out test images. It is a challenge which thousands of researchers have taken up, vying for the highest accuracy possible, and it is an important one, as many technologies such as self-driving cars or facial recognition hinge upon it. Our goal was to investigate various methods for tackling the CIFAR-10 and see how well they perform, as well as combine these models in interesting ways to achieve higher accuracies. We find that running a linear Support Vector Machine on top of the features extracted using several distinct Convolutional Neural Networks (CNN’s) produces a model of 90% accuracy, which is very fantastic, considering that human accuracy on the same problem is 94%.</a:t>
             </a:r>
             <a:endParaRPr lang="en-US" sz="4000" dirty="0"/>
           </a:p>
@@ -4950,6 +4892,258 @@
               <a:rPr lang="en-US" sz="4000" dirty="0" smtClean="0"/>
               <a:t>Where our method is stronger than many others in the field is its ability to produce good models very quickly or on lower compute power. Many can achieve higher accuracies, but take hours or days to do so, while our model can achieve ~86% accuracy within minutes. In addition, even with more time or compute power available, ensembling with an SVM still has a solid shot of outperforming a single CNN or another CNN ensemble.</a:t>
             </a:r>
+          </a:p>
+        </p:txBody>
+      </p:sp>
+      <p:sp>
+        <p:nvSpPr>
+          <p:cNvPr id="5" name="TextBox 4"/>
+          <p:cNvSpPr txBox="1"/>
+          <p:nvPr/>
+        </p:nvSpPr>
+        <p:spPr>
+          <a:xfrm>
+            <a:off x="17561359" y="17285196"/>
+            <a:ext cx="293670" cy="1569660"/>
+          </a:xfrm>
+          <a:prstGeom prst="rect">
+            <a:avLst/>
+          </a:prstGeom>
+          <a:noFill/>
+        </p:spPr>
+        <p:txBody>
+          <a:bodyPr wrap="none" rtlCol="0">
+            <a:spAutoFit/>
+          </a:bodyPr>
+          <a:lstStyle/>
+          <a:p>
+            <a:r>
+              <a:rPr lang="en-US" sz="3200" b="1" dirty="0" smtClean="0"/>
+              <a:t>.</a:t>
+            </a:r>
+          </a:p>
+          <a:p>
+            <a:r>
+              <a:rPr lang="en-US" sz="3200" b="1" dirty="0" smtClean="0"/>
+              <a:t>.</a:t>
+            </a:r>
+          </a:p>
+          <a:p>
+            <a:r>
+              <a:rPr lang="en-US" sz="3200" b="1" dirty="0" smtClean="0"/>
+              <a:t>.</a:t>
+            </a:r>
+            <a:endParaRPr lang="en-US" sz="3200" b="1" dirty="0"/>
+          </a:p>
+        </p:txBody>
+      </p:sp>
+      <p:sp>
+        <p:nvSpPr>
+          <p:cNvPr id="54" name="TextBox 53"/>
+          <p:cNvSpPr txBox="1"/>
+          <p:nvPr/>
+        </p:nvSpPr>
+        <p:spPr>
+          <a:xfrm>
+            <a:off x="19784844" y="17181771"/>
+            <a:ext cx="293670" cy="1569660"/>
+          </a:xfrm>
+          <a:prstGeom prst="rect">
+            <a:avLst/>
+          </a:prstGeom>
+          <a:noFill/>
+        </p:spPr>
+        <p:txBody>
+          <a:bodyPr wrap="none" rtlCol="0">
+            <a:spAutoFit/>
+          </a:bodyPr>
+          <a:lstStyle/>
+          <a:p>
+            <a:r>
+              <a:rPr lang="en-US" sz="3200" b="1" dirty="0" smtClean="0"/>
+              <a:t>.</a:t>
+            </a:r>
+          </a:p>
+          <a:p>
+            <a:r>
+              <a:rPr lang="en-US" sz="3200" b="1" dirty="0" smtClean="0"/>
+              <a:t>.</a:t>
+            </a:r>
+          </a:p>
+          <a:p>
+            <a:r>
+              <a:rPr lang="en-US" sz="3200" b="1" dirty="0" smtClean="0"/>
+              <a:t>.</a:t>
+            </a:r>
+            <a:endParaRPr lang="en-US" sz="3200" b="1" dirty="0"/>
+          </a:p>
+        </p:txBody>
+      </p:sp>
+      <p:sp>
+        <p:nvSpPr>
+          <p:cNvPr id="56" name="TextBox 55"/>
+          <p:cNvSpPr txBox="1"/>
+          <p:nvPr/>
+        </p:nvSpPr>
+        <p:spPr>
+          <a:xfrm>
+            <a:off x="17561359" y="20184750"/>
+            <a:ext cx="293670" cy="1569660"/>
+          </a:xfrm>
+          <a:prstGeom prst="rect">
+            <a:avLst/>
+          </a:prstGeom>
+          <a:noFill/>
+        </p:spPr>
+        <p:txBody>
+          <a:bodyPr wrap="none" rtlCol="0">
+            <a:spAutoFit/>
+          </a:bodyPr>
+          <a:lstStyle/>
+          <a:p>
+            <a:r>
+              <a:rPr lang="en-US" sz="3200" b="1" dirty="0" smtClean="0"/>
+              <a:t>.</a:t>
+            </a:r>
+          </a:p>
+          <a:p>
+            <a:r>
+              <a:rPr lang="en-US" sz="3200" b="1" dirty="0" smtClean="0"/>
+              <a:t>.</a:t>
+            </a:r>
+          </a:p>
+          <a:p>
+            <a:r>
+              <a:rPr lang="en-US" sz="3200" b="1" dirty="0" smtClean="0"/>
+              <a:t>.</a:t>
+            </a:r>
+            <a:endParaRPr lang="en-US" sz="3200" b="1" dirty="0"/>
+          </a:p>
+        </p:txBody>
+      </p:sp>
+      <p:sp>
+        <p:nvSpPr>
+          <p:cNvPr id="60" name="TextBox 59"/>
+          <p:cNvSpPr txBox="1"/>
+          <p:nvPr/>
+        </p:nvSpPr>
+        <p:spPr>
+          <a:xfrm>
+            <a:off x="19767768" y="20007874"/>
+            <a:ext cx="293670" cy="1569660"/>
+          </a:xfrm>
+          <a:prstGeom prst="rect">
+            <a:avLst/>
+          </a:prstGeom>
+          <a:noFill/>
+        </p:spPr>
+        <p:txBody>
+          <a:bodyPr wrap="none" rtlCol="0">
+            <a:spAutoFit/>
+          </a:bodyPr>
+          <a:lstStyle/>
+          <a:p>
+            <a:r>
+              <a:rPr lang="en-US" sz="3200" b="1" dirty="0" smtClean="0"/>
+              <a:t>.</a:t>
+            </a:r>
+          </a:p>
+          <a:p>
+            <a:r>
+              <a:rPr lang="en-US" sz="3200" b="1" dirty="0" smtClean="0"/>
+              <a:t>.</a:t>
+            </a:r>
+          </a:p>
+          <a:p>
+            <a:r>
+              <a:rPr lang="en-US" sz="3200" b="1" dirty="0" smtClean="0"/>
+              <a:t>.</a:t>
+            </a:r>
+            <a:endParaRPr lang="en-US" sz="3200" b="1" dirty="0"/>
+          </a:p>
+        </p:txBody>
+      </p:sp>
+      <p:sp>
+        <p:nvSpPr>
+          <p:cNvPr id="68" name="TextBox 67"/>
+          <p:cNvSpPr txBox="1"/>
+          <p:nvPr/>
+        </p:nvSpPr>
+        <p:spPr>
+          <a:xfrm>
+            <a:off x="21887973" y="17308946"/>
+            <a:ext cx="293670" cy="1569660"/>
+          </a:xfrm>
+          <a:prstGeom prst="rect">
+            <a:avLst/>
+          </a:prstGeom>
+          <a:noFill/>
+        </p:spPr>
+        <p:txBody>
+          <a:bodyPr wrap="none" rtlCol="0">
+            <a:spAutoFit/>
+          </a:bodyPr>
+          <a:lstStyle/>
+          <a:p>
+            <a:r>
+              <a:rPr lang="en-US" sz="3200" b="1" dirty="0" smtClean="0"/>
+              <a:t>.</a:t>
+            </a:r>
+          </a:p>
+          <a:p>
+            <a:r>
+              <a:rPr lang="en-US" sz="3200" b="1" dirty="0" smtClean="0"/>
+              <a:t>.</a:t>
+            </a:r>
+          </a:p>
+          <a:p>
+            <a:r>
+              <a:rPr lang="en-US" sz="3200" b="1" dirty="0" smtClean="0"/>
+              <a:t>.</a:t>
+            </a:r>
+            <a:endParaRPr lang="en-US" sz="3200" b="1" dirty="0"/>
+          </a:p>
+        </p:txBody>
+      </p:sp>
+      <p:sp>
+        <p:nvSpPr>
+          <p:cNvPr id="69" name="TextBox 68"/>
+          <p:cNvSpPr txBox="1"/>
+          <p:nvPr/>
+        </p:nvSpPr>
+        <p:spPr>
+          <a:xfrm>
+            <a:off x="21887973" y="20007874"/>
+            <a:ext cx="293670" cy="1569660"/>
+          </a:xfrm>
+          <a:prstGeom prst="rect">
+            <a:avLst/>
+          </a:prstGeom>
+          <a:noFill/>
+        </p:spPr>
+        <p:txBody>
+          <a:bodyPr wrap="none" rtlCol="0">
+            <a:spAutoFit/>
+          </a:bodyPr>
+          <a:lstStyle/>
+          <a:p>
+            <a:r>
+              <a:rPr lang="en-US" sz="3200" b="1" dirty="0" smtClean="0"/>
+              <a:t>.</a:t>
+            </a:r>
+          </a:p>
+          <a:p>
+            <a:r>
+              <a:rPr lang="en-US" sz="3200" b="1" dirty="0" smtClean="0"/>
+              <a:t>.</a:t>
+            </a:r>
+          </a:p>
+          <a:p>
+            <a:r>
+              <a:rPr lang="en-US" sz="3200" b="1" dirty="0" smtClean="0"/>
+              <a:t>.</a:t>
+            </a:r>
+            <a:endParaRPr lang="en-US" sz="3200" b="1" dirty="0"/>
           </a:p>
         </p:txBody>
       </p:sp>
